--- a/Aset/Alur Penelitian.pptx
+++ b/Aset/Alur Penelitian.pptx
@@ -7,6 +7,7 @@
   <p:sldIdLst>
     <p:sldId id="256" r:id="rId2"/>
     <p:sldId id="257" r:id="rId3"/>
+    <p:sldId id="258" r:id="rId4"/>
   </p:sldIdLst>
   <p:sldSz cx="17279938" cy="9720263"/>
   <p:notesSz cx="6858000" cy="9144000"/>
@@ -105,6 +106,11 @@
       </a:defRPr>
     </a:lvl9pPr>
   </p:defaultTextStyle>
+  <p:extLst>
+    <p:ext uri="{EFAFB233-063F-42B5-8137-9DF3F51BA10A}">
+      <p15:sldGuideLst xmlns:p15="http://schemas.microsoft.com/office/powerpoint/2012/main"/>
+    </p:ext>
+  </p:extLst>
 </p:presentation>
 </file>
 
@@ -239,7 +245,7 @@
           <a:p>
             <a:fld id="{FA883B5D-0EB7-4692-91F6-061DEBBE20B8}" type="datetimeFigureOut">
               <a:rPr lang="en-ID" smtClean="0"/>
-              <a:t>14/03/2023</a:t>
+              <a:t>17/03/2023</a:t>
             </a:fld>
             <a:endParaRPr lang="en-ID"/>
           </a:p>
@@ -409,7 +415,7 @@
           <a:p>
             <a:fld id="{FA883B5D-0EB7-4692-91F6-061DEBBE20B8}" type="datetimeFigureOut">
               <a:rPr lang="en-ID" smtClean="0"/>
-              <a:t>14/03/2023</a:t>
+              <a:t>17/03/2023</a:t>
             </a:fld>
             <a:endParaRPr lang="en-ID"/>
           </a:p>
@@ -589,7 +595,7 @@
           <a:p>
             <a:fld id="{FA883B5D-0EB7-4692-91F6-061DEBBE20B8}" type="datetimeFigureOut">
               <a:rPr lang="en-ID" smtClean="0"/>
-              <a:t>14/03/2023</a:t>
+              <a:t>17/03/2023</a:t>
             </a:fld>
             <a:endParaRPr lang="en-ID"/>
           </a:p>
@@ -759,7 +765,7 @@
           <a:p>
             <a:fld id="{FA883B5D-0EB7-4692-91F6-061DEBBE20B8}" type="datetimeFigureOut">
               <a:rPr lang="en-ID" smtClean="0"/>
-              <a:t>14/03/2023</a:t>
+              <a:t>17/03/2023</a:t>
             </a:fld>
             <a:endParaRPr lang="en-ID"/>
           </a:p>
@@ -1005,7 +1011,7 @@
           <a:p>
             <a:fld id="{FA883B5D-0EB7-4692-91F6-061DEBBE20B8}" type="datetimeFigureOut">
               <a:rPr lang="en-ID" smtClean="0"/>
-              <a:t>14/03/2023</a:t>
+              <a:t>17/03/2023</a:t>
             </a:fld>
             <a:endParaRPr lang="en-ID"/>
           </a:p>
@@ -1237,7 +1243,7 @@
           <a:p>
             <a:fld id="{FA883B5D-0EB7-4692-91F6-061DEBBE20B8}" type="datetimeFigureOut">
               <a:rPr lang="en-ID" smtClean="0"/>
-              <a:t>14/03/2023</a:t>
+              <a:t>17/03/2023</a:t>
             </a:fld>
             <a:endParaRPr lang="en-ID"/>
           </a:p>
@@ -1604,7 +1610,7 @@
           <a:p>
             <a:fld id="{FA883B5D-0EB7-4692-91F6-061DEBBE20B8}" type="datetimeFigureOut">
               <a:rPr lang="en-ID" smtClean="0"/>
-              <a:t>14/03/2023</a:t>
+              <a:t>17/03/2023</a:t>
             </a:fld>
             <a:endParaRPr lang="en-ID"/>
           </a:p>
@@ -1722,7 +1728,7 @@
           <a:p>
             <a:fld id="{FA883B5D-0EB7-4692-91F6-061DEBBE20B8}" type="datetimeFigureOut">
               <a:rPr lang="en-ID" smtClean="0"/>
-              <a:t>14/03/2023</a:t>
+              <a:t>17/03/2023</a:t>
             </a:fld>
             <a:endParaRPr lang="en-ID"/>
           </a:p>
@@ -1817,7 +1823,7 @@
           <a:p>
             <a:fld id="{FA883B5D-0EB7-4692-91F6-061DEBBE20B8}" type="datetimeFigureOut">
               <a:rPr lang="en-ID" smtClean="0"/>
-              <a:t>14/03/2023</a:t>
+              <a:t>17/03/2023</a:t>
             </a:fld>
             <a:endParaRPr lang="en-ID"/>
           </a:p>
@@ -2094,7 +2100,7 @@
           <a:p>
             <a:fld id="{FA883B5D-0EB7-4692-91F6-061DEBBE20B8}" type="datetimeFigureOut">
               <a:rPr lang="en-ID" smtClean="0"/>
-              <a:t>14/03/2023</a:t>
+              <a:t>17/03/2023</a:t>
             </a:fld>
             <a:endParaRPr lang="en-ID"/>
           </a:p>
@@ -2351,7 +2357,7 @@
           <a:p>
             <a:fld id="{FA883B5D-0EB7-4692-91F6-061DEBBE20B8}" type="datetimeFigureOut">
               <a:rPr lang="en-ID" smtClean="0"/>
-              <a:t>14/03/2023</a:t>
+              <a:t>17/03/2023</a:t>
             </a:fld>
             <a:endParaRPr lang="en-ID"/>
           </a:p>
@@ -2564,7 +2570,7 @@
           <a:p>
             <a:fld id="{FA883B5D-0EB7-4692-91F6-061DEBBE20B8}" type="datetimeFigureOut">
               <a:rPr lang="en-ID" smtClean="0"/>
-              <a:t>14/03/2023</a:t>
+              <a:t>17/03/2023</a:t>
             </a:fld>
             <a:endParaRPr lang="en-ID"/>
           </a:p>
@@ -7181,6 +7187,2066 @@
 </p:sld>
 </file>
 
+<file path=ppt/slides/slide3.xml><?xml version="1.0" encoding="utf-8"?>
+<p:sld xmlns:a="http://schemas.openxmlformats.org/drawingml/2006/main" xmlns:r="http://schemas.openxmlformats.org/officeDocument/2006/relationships" xmlns:p="http://schemas.openxmlformats.org/presentationml/2006/main">
+  <p:cSld>
+    <p:spTree>
+      <p:nvGrpSpPr>
+        <p:cNvPr id="1" name=""/>
+        <p:cNvGrpSpPr/>
+        <p:nvPr/>
+      </p:nvGrpSpPr>
+      <p:grpSpPr>
+        <a:xfrm>
+          <a:off x="0" y="0"/>
+          <a:ext cx="0" cy="0"/>
+          <a:chOff x="0" y="0"/>
+          <a:chExt cx="0" cy="0"/>
+        </a:xfrm>
+      </p:grpSpPr>
+      <p:sp>
+        <p:nvSpPr>
+          <p:cNvPr id="4" name="Rectangle 3">
+            <a:extLst>
+              <a:ext uri="{FF2B5EF4-FFF2-40B4-BE49-F238E27FC236}">
+                <a16:creationId xmlns:a16="http://schemas.microsoft.com/office/drawing/2014/main" id="{1B43A1E3-7559-DFB1-E76F-3259855E0EEF}"/>
+              </a:ext>
+            </a:extLst>
+          </p:cNvPr>
+          <p:cNvSpPr/>
+          <p:nvPr/>
+        </p:nvSpPr>
+        <p:spPr>
+          <a:xfrm>
+            <a:off x="685800" y="386712"/>
+            <a:ext cx="6496050" cy="8795388"/>
+          </a:xfrm>
+          <a:prstGeom prst="rect">
+            <a:avLst/>
+          </a:prstGeom>
+          <a:solidFill>
+            <a:schemeClr val="accent5">
+              <a:lumMod val="20000"/>
+              <a:lumOff val="80000"/>
+            </a:schemeClr>
+          </a:solidFill>
+        </p:spPr>
+        <p:style>
+          <a:lnRef idx="2">
+            <a:schemeClr val="accent1">
+              <a:shade val="50000"/>
+            </a:schemeClr>
+          </a:lnRef>
+          <a:fillRef idx="1">
+            <a:schemeClr val="accent1"/>
+          </a:fillRef>
+          <a:effectRef idx="0">
+            <a:schemeClr val="accent1"/>
+          </a:effectRef>
+          <a:fontRef idx="minor">
+            <a:schemeClr val="lt1"/>
+          </a:fontRef>
+        </p:style>
+        <p:txBody>
+          <a:bodyPr rtlCol="0" anchor="ctr"/>
+          <a:lstStyle/>
+          <a:p>
+            <a:pPr algn="ctr"/>
+            <a:endParaRPr lang="en-ID" sz="1800" b="1">
+              <a:solidFill>
+                <a:schemeClr val="accent5">
+                  <a:lumMod val="50000"/>
+                </a:schemeClr>
+              </a:solidFill>
+              <a:latin typeface="Times New Roman" panose="02020603050405020304" pitchFamily="18" charset="0"/>
+              <a:ea typeface="Tahoma" panose="020B0604030504040204" pitchFamily="34" charset="0"/>
+              <a:cs typeface="Times New Roman" panose="02020603050405020304" pitchFamily="18" charset="0"/>
+            </a:endParaRPr>
+          </a:p>
+        </p:txBody>
+      </p:sp>
+      <p:sp>
+        <p:nvSpPr>
+          <p:cNvPr id="31" name="Oval 30">
+            <a:extLst>
+              <a:ext uri="{FF2B5EF4-FFF2-40B4-BE49-F238E27FC236}">
+                <a16:creationId xmlns:a16="http://schemas.microsoft.com/office/drawing/2014/main" id="{4C1278A9-557D-A2FF-8FC7-0C43550623B9}"/>
+              </a:ext>
+            </a:extLst>
+          </p:cNvPr>
+          <p:cNvSpPr/>
+          <p:nvPr/>
+        </p:nvSpPr>
+        <p:spPr>
+          <a:xfrm>
+            <a:off x="1358262" y="1104919"/>
+            <a:ext cx="929459" cy="463163"/>
+          </a:xfrm>
+          <a:prstGeom prst="ellipse">
+            <a:avLst/>
+          </a:prstGeom>
+          <a:solidFill>
+            <a:schemeClr val="accent1">
+              <a:lumMod val="50000"/>
+            </a:schemeClr>
+          </a:solidFill>
+          <a:ln>
+            <a:solidFill>
+              <a:schemeClr val="accent1">
+                <a:lumMod val="50000"/>
+              </a:schemeClr>
+            </a:solidFill>
+          </a:ln>
+        </p:spPr>
+        <p:style>
+          <a:lnRef idx="2">
+            <a:schemeClr val="accent1">
+              <a:shade val="50000"/>
+            </a:schemeClr>
+          </a:lnRef>
+          <a:fillRef idx="1">
+            <a:schemeClr val="accent1"/>
+          </a:fillRef>
+          <a:effectRef idx="0">
+            <a:schemeClr val="accent1"/>
+          </a:effectRef>
+          <a:fontRef idx="minor">
+            <a:schemeClr val="lt1"/>
+          </a:fontRef>
+        </p:style>
+        <p:txBody>
+          <a:bodyPr rtlCol="0" anchor="ctr"/>
+          <a:lstStyle/>
+          <a:p>
+            <a:pPr algn="ctr"/>
+            <a:r>
+              <a:rPr lang="en-US" sz="1100" b="1"/>
+              <a:t>MULAI</a:t>
+            </a:r>
+            <a:endParaRPr lang="en-ID" sz="1100"/>
+          </a:p>
+        </p:txBody>
+      </p:sp>
+      <p:sp>
+        <p:nvSpPr>
+          <p:cNvPr id="32" name="Rectangle 31">
+            <a:extLst>
+              <a:ext uri="{FF2B5EF4-FFF2-40B4-BE49-F238E27FC236}">
+                <a16:creationId xmlns:a16="http://schemas.microsoft.com/office/drawing/2014/main" id="{B0389E5A-3A5A-0D73-4EF1-C148F169D7B4}"/>
+              </a:ext>
+            </a:extLst>
+          </p:cNvPr>
+          <p:cNvSpPr/>
+          <p:nvPr/>
+        </p:nvSpPr>
+        <p:spPr>
+          <a:xfrm>
+            <a:off x="2813456" y="1145815"/>
+            <a:ext cx="1701800" cy="381372"/>
+          </a:xfrm>
+          <a:prstGeom prst="rect">
+            <a:avLst/>
+          </a:prstGeom>
+          <a:solidFill>
+            <a:schemeClr val="accent1">
+              <a:lumMod val="50000"/>
+            </a:schemeClr>
+          </a:solidFill>
+          <a:ln>
+            <a:solidFill>
+              <a:schemeClr val="accent1">
+                <a:lumMod val="50000"/>
+              </a:schemeClr>
+            </a:solidFill>
+          </a:ln>
+        </p:spPr>
+        <p:style>
+          <a:lnRef idx="2">
+            <a:schemeClr val="accent1">
+              <a:shade val="50000"/>
+            </a:schemeClr>
+          </a:lnRef>
+          <a:fillRef idx="1">
+            <a:schemeClr val="accent1"/>
+          </a:fillRef>
+          <a:effectRef idx="0">
+            <a:schemeClr val="accent1"/>
+          </a:effectRef>
+          <a:fontRef idx="minor">
+            <a:schemeClr val="lt1"/>
+          </a:fontRef>
+        </p:style>
+        <p:txBody>
+          <a:bodyPr rtlCol="0" anchor="ctr"/>
+          <a:lstStyle/>
+          <a:p>
+            <a:pPr algn="ctr"/>
+            <a:r>
+              <a:rPr lang="en-US" sz="1100" b="1"/>
+              <a:t>STUDI LITERATUR</a:t>
+            </a:r>
+            <a:endParaRPr lang="en-ID" sz="1100" b="1"/>
+          </a:p>
+        </p:txBody>
+      </p:sp>
+      <p:cxnSp>
+        <p:nvCxnSpPr>
+          <p:cNvPr id="35" name="Straight Arrow Connector 34">
+            <a:extLst>
+              <a:ext uri="{FF2B5EF4-FFF2-40B4-BE49-F238E27FC236}">
+                <a16:creationId xmlns:a16="http://schemas.microsoft.com/office/drawing/2014/main" id="{776FA853-C1A7-A7CF-B660-F345D0600630}"/>
+              </a:ext>
+            </a:extLst>
+          </p:cNvPr>
+          <p:cNvCxnSpPr>
+            <a:stCxn id="31" idx="6"/>
+            <a:endCxn id="32" idx="1"/>
+          </p:cNvCxnSpPr>
+          <p:nvPr/>
+        </p:nvCxnSpPr>
+        <p:spPr>
+          <a:xfrm>
+            <a:off x="2287721" y="1336501"/>
+            <a:ext cx="525735" cy="0"/>
+          </a:xfrm>
+          <a:prstGeom prst="straightConnector1">
+            <a:avLst/>
+          </a:prstGeom>
+          <a:ln w="19050">
+            <a:tailEnd type="triangle"/>
+          </a:ln>
+        </p:spPr>
+        <p:style>
+          <a:lnRef idx="1">
+            <a:schemeClr val="accent1"/>
+          </a:lnRef>
+          <a:fillRef idx="0">
+            <a:schemeClr val="accent1"/>
+          </a:fillRef>
+          <a:effectRef idx="0">
+            <a:schemeClr val="accent1"/>
+          </a:effectRef>
+          <a:fontRef idx="minor">
+            <a:schemeClr val="tx1"/>
+          </a:fontRef>
+        </p:style>
+      </p:cxnSp>
+      <p:sp>
+        <p:nvSpPr>
+          <p:cNvPr id="36" name="Rectangle 35">
+            <a:extLst>
+              <a:ext uri="{FF2B5EF4-FFF2-40B4-BE49-F238E27FC236}">
+                <a16:creationId xmlns:a16="http://schemas.microsoft.com/office/drawing/2014/main" id="{A4ABBDE1-24A7-291B-67E6-8C3DBC1B52C4}"/>
+              </a:ext>
+            </a:extLst>
+          </p:cNvPr>
+          <p:cNvSpPr/>
+          <p:nvPr/>
+        </p:nvSpPr>
+        <p:spPr>
+          <a:xfrm>
+            <a:off x="1035456" y="8279629"/>
+            <a:ext cx="1701800" cy="533960"/>
+          </a:xfrm>
+          <a:prstGeom prst="rect">
+            <a:avLst/>
+          </a:prstGeom>
+          <a:solidFill>
+            <a:schemeClr val="accent1">
+              <a:lumMod val="50000"/>
+            </a:schemeClr>
+          </a:solidFill>
+          <a:ln>
+            <a:solidFill>
+              <a:schemeClr val="accent1">
+                <a:lumMod val="50000"/>
+              </a:schemeClr>
+            </a:solidFill>
+          </a:ln>
+        </p:spPr>
+        <p:style>
+          <a:lnRef idx="2">
+            <a:schemeClr val="accent1">
+              <a:shade val="50000"/>
+            </a:schemeClr>
+          </a:lnRef>
+          <a:fillRef idx="1">
+            <a:schemeClr val="accent1"/>
+          </a:fillRef>
+          <a:effectRef idx="0">
+            <a:schemeClr val="accent1"/>
+          </a:effectRef>
+          <a:fontRef idx="minor">
+            <a:schemeClr val="lt1"/>
+          </a:fontRef>
+        </p:style>
+        <p:txBody>
+          <a:bodyPr rtlCol="0" anchor="ctr"/>
+          <a:lstStyle/>
+          <a:p>
+            <a:pPr algn="ctr"/>
+            <a:r>
+              <a:rPr lang="en-US" sz="1100" b="1"/>
+              <a:t>EVALUASI SISTEM</a:t>
+            </a:r>
+          </a:p>
+          <a:p>
+            <a:pPr algn="ctr"/>
+            <a:r>
+              <a:rPr lang="en-US" sz="1100" b="1"/>
+              <a:t>(</a:t>
+            </a:r>
+            <a:r>
+              <a:rPr lang="en-US" sz="1100" b="1" i="1">
+                <a:solidFill>
+                  <a:schemeClr val="accent1">
+                    <a:lumMod val="60000"/>
+                    <a:lumOff val="40000"/>
+                  </a:schemeClr>
+                </a:solidFill>
+                <a:latin typeface="Times New Roman" panose="02020603050405020304" pitchFamily="18" charset="0"/>
+                <a:cs typeface="Times New Roman" panose="02020603050405020304" pitchFamily="18" charset="0"/>
+              </a:rPr>
+              <a:t>System Usabilty Scale</a:t>
+            </a:r>
+            <a:r>
+              <a:rPr lang="en-US" sz="1100" b="1"/>
+              <a:t>)</a:t>
+            </a:r>
+            <a:endParaRPr lang="en-ID" sz="1100" b="1"/>
+          </a:p>
+        </p:txBody>
+      </p:sp>
+      <p:sp>
+        <p:nvSpPr>
+          <p:cNvPr id="37" name="Oval 36">
+            <a:extLst>
+              <a:ext uri="{FF2B5EF4-FFF2-40B4-BE49-F238E27FC236}">
+                <a16:creationId xmlns:a16="http://schemas.microsoft.com/office/drawing/2014/main" id="{A5B57A57-63A4-F06D-0B32-323EA681D3F1}"/>
+              </a:ext>
+            </a:extLst>
+          </p:cNvPr>
+          <p:cNvSpPr/>
+          <p:nvPr/>
+        </p:nvSpPr>
+        <p:spPr>
+          <a:xfrm>
+            <a:off x="5866627" y="8315028"/>
+            <a:ext cx="929459" cy="463163"/>
+          </a:xfrm>
+          <a:prstGeom prst="ellipse">
+            <a:avLst/>
+          </a:prstGeom>
+          <a:solidFill>
+            <a:schemeClr val="accent1">
+              <a:lumMod val="50000"/>
+            </a:schemeClr>
+          </a:solidFill>
+          <a:ln>
+            <a:solidFill>
+              <a:schemeClr val="accent1">
+                <a:lumMod val="50000"/>
+              </a:schemeClr>
+            </a:solidFill>
+          </a:ln>
+        </p:spPr>
+        <p:style>
+          <a:lnRef idx="2">
+            <a:schemeClr val="accent1">
+              <a:shade val="50000"/>
+            </a:schemeClr>
+          </a:lnRef>
+          <a:fillRef idx="1">
+            <a:schemeClr val="accent1"/>
+          </a:fillRef>
+          <a:effectRef idx="0">
+            <a:schemeClr val="accent1"/>
+          </a:effectRef>
+          <a:fontRef idx="minor">
+            <a:schemeClr val="lt1"/>
+          </a:fontRef>
+        </p:style>
+        <p:txBody>
+          <a:bodyPr rtlCol="0" anchor="ctr"/>
+          <a:lstStyle/>
+          <a:p>
+            <a:pPr algn="ctr"/>
+            <a:r>
+              <a:rPr lang="en-US" sz="1100" b="1"/>
+              <a:t>SELESAI</a:t>
+            </a:r>
+            <a:endParaRPr lang="en-ID" sz="1100"/>
+          </a:p>
+        </p:txBody>
+      </p:sp>
+      <p:sp>
+        <p:nvSpPr>
+          <p:cNvPr id="38" name="TextBox 37">
+            <a:extLst>
+              <a:ext uri="{FF2B5EF4-FFF2-40B4-BE49-F238E27FC236}">
+                <a16:creationId xmlns:a16="http://schemas.microsoft.com/office/drawing/2014/main" id="{C1E52197-D785-7583-77E2-89F6A0404965}"/>
+              </a:ext>
+            </a:extLst>
+          </p:cNvPr>
+          <p:cNvSpPr txBox="1"/>
+          <p:nvPr/>
+        </p:nvSpPr>
+        <p:spPr>
+          <a:xfrm>
+            <a:off x="882651" y="696814"/>
+            <a:ext cx="1930806" cy="307777"/>
+          </a:xfrm>
+          <a:prstGeom prst="rect">
+            <a:avLst/>
+          </a:prstGeom>
+          <a:noFill/>
+        </p:spPr>
+        <p:txBody>
+          <a:bodyPr wrap="square" rtlCol="0">
+            <a:spAutoFit/>
+          </a:bodyPr>
+          <a:lstStyle/>
+          <a:p>
+            <a:r>
+              <a:rPr lang="en-US" sz="1400" b="1" i="1">
+                <a:solidFill>
+                  <a:schemeClr val="accent5">
+                    <a:lumMod val="50000"/>
+                  </a:schemeClr>
+                </a:solidFill>
+                <a:latin typeface="Times New Roman" panose="02020603050405020304" pitchFamily="18" charset="0"/>
+                <a:ea typeface="Tahoma" panose="020B0604030504040204" pitchFamily="34" charset="0"/>
+                <a:cs typeface="Times New Roman" panose="02020603050405020304" pitchFamily="18" charset="0"/>
+              </a:rPr>
+              <a:t>Alur Penelitian</a:t>
+            </a:r>
+            <a:endParaRPr lang="en-ID" sz="1400" b="1">
+              <a:solidFill>
+                <a:schemeClr val="accent5">
+                  <a:lumMod val="50000"/>
+                </a:schemeClr>
+              </a:solidFill>
+              <a:latin typeface="Times New Roman" panose="02020603050405020304" pitchFamily="18" charset="0"/>
+              <a:ea typeface="Tahoma" panose="020B0604030504040204" pitchFamily="34" charset="0"/>
+              <a:cs typeface="Times New Roman" panose="02020603050405020304" pitchFamily="18" charset="0"/>
+            </a:endParaRPr>
+          </a:p>
+        </p:txBody>
+      </p:sp>
+      <p:sp>
+        <p:nvSpPr>
+          <p:cNvPr id="39" name="Rectangle 38">
+            <a:extLst>
+              <a:ext uri="{FF2B5EF4-FFF2-40B4-BE49-F238E27FC236}">
+                <a16:creationId xmlns:a16="http://schemas.microsoft.com/office/drawing/2014/main" id="{F19AF287-7F9D-1FF2-8396-D7793939D917}"/>
+              </a:ext>
+            </a:extLst>
+          </p:cNvPr>
+          <p:cNvSpPr/>
+          <p:nvPr/>
+        </p:nvSpPr>
+        <p:spPr>
+          <a:xfrm>
+            <a:off x="3449268" y="8276744"/>
+            <a:ext cx="1701800" cy="533960"/>
+          </a:xfrm>
+          <a:prstGeom prst="rect">
+            <a:avLst/>
+          </a:prstGeom>
+          <a:solidFill>
+            <a:schemeClr val="accent1">
+              <a:lumMod val="50000"/>
+            </a:schemeClr>
+          </a:solidFill>
+          <a:ln>
+            <a:solidFill>
+              <a:schemeClr val="accent1">
+                <a:lumMod val="50000"/>
+              </a:schemeClr>
+            </a:solidFill>
+          </a:ln>
+        </p:spPr>
+        <p:style>
+          <a:lnRef idx="2">
+            <a:schemeClr val="accent1">
+              <a:shade val="50000"/>
+            </a:schemeClr>
+          </a:lnRef>
+          <a:fillRef idx="1">
+            <a:schemeClr val="accent1"/>
+          </a:fillRef>
+          <a:effectRef idx="0">
+            <a:schemeClr val="accent1"/>
+          </a:effectRef>
+          <a:fontRef idx="minor">
+            <a:schemeClr val="lt1"/>
+          </a:fontRef>
+        </p:style>
+        <p:txBody>
+          <a:bodyPr rtlCol="0" anchor="ctr"/>
+          <a:lstStyle/>
+          <a:p>
+            <a:pPr algn="ctr"/>
+            <a:r>
+              <a:rPr lang="en-US" sz="1100" b="1"/>
+              <a:t>PENYUSUNAN LAPORAN AKHIR</a:t>
+            </a:r>
+            <a:endParaRPr lang="en-ID" sz="1100" b="1"/>
+          </a:p>
+        </p:txBody>
+      </p:sp>
+      <p:cxnSp>
+        <p:nvCxnSpPr>
+          <p:cNvPr id="41" name="Straight Arrow Connector 40">
+            <a:extLst>
+              <a:ext uri="{FF2B5EF4-FFF2-40B4-BE49-F238E27FC236}">
+                <a16:creationId xmlns:a16="http://schemas.microsoft.com/office/drawing/2014/main" id="{D1D8B103-39D4-87B6-FB52-2C2A333D5802}"/>
+              </a:ext>
+            </a:extLst>
+          </p:cNvPr>
+          <p:cNvCxnSpPr>
+            <a:stCxn id="36" idx="3"/>
+            <a:endCxn id="39" idx="1"/>
+          </p:cNvCxnSpPr>
+          <p:nvPr/>
+        </p:nvCxnSpPr>
+        <p:spPr>
+          <a:xfrm flipV="1">
+            <a:off x="2737256" y="8543724"/>
+            <a:ext cx="712012" cy="2885"/>
+          </a:xfrm>
+          <a:prstGeom prst="straightConnector1">
+            <a:avLst/>
+          </a:prstGeom>
+          <a:ln w="19050">
+            <a:tailEnd type="triangle"/>
+          </a:ln>
+        </p:spPr>
+        <p:style>
+          <a:lnRef idx="1">
+            <a:schemeClr val="accent1"/>
+          </a:lnRef>
+          <a:fillRef idx="0">
+            <a:schemeClr val="accent1"/>
+          </a:fillRef>
+          <a:effectRef idx="0">
+            <a:schemeClr val="accent1"/>
+          </a:effectRef>
+          <a:fontRef idx="minor">
+            <a:schemeClr val="tx1"/>
+          </a:fontRef>
+        </p:style>
+      </p:cxnSp>
+      <p:grpSp>
+        <p:nvGrpSpPr>
+          <p:cNvPr id="43" name="Group 42">
+            <a:extLst>
+              <a:ext uri="{FF2B5EF4-FFF2-40B4-BE49-F238E27FC236}">
+                <a16:creationId xmlns:a16="http://schemas.microsoft.com/office/drawing/2014/main" id="{76CEE3BA-C295-2E98-0D53-8AFC943DFD66}"/>
+              </a:ext>
+            </a:extLst>
+          </p:cNvPr>
+          <p:cNvGrpSpPr/>
+          <p:nvPr/>
+        </p:nvGrpSpPr>
+        <p:grpSpPr>
+          <a:xfrm>
+            <a:off x="1787930" y="1753815"/>
+            <a:ext cx="4900112" cy="6134613"/>
+            <a:chOff x="5870592" y="406400"/>
+            <a:chExt cx="4900112" cy="6134613"/>
+          </a:xfrm>
+        </p:grpSpPr>
+        <p:sp>
+          <p:nvSpPr>
+            <p:cNvPr id="44" name="Rectangle 43">
+              <a:extLst>
+                <a:ext uri="{FF2B5EF4-FFF2-40B4-BE49-F238E27FC236}">
+                  <a16:creationId xmlns:a16="http://schemas.microsoft.com/office/drawing/2014/main" id="{B1F5CE66-AF90-E1AC-E1FE-50756D5A489C}"/>
+                </a:ext>
+              </a:extLst>
+            </p:cNvPr>
+            <p:cNvSpPr/>
+            <p:nvPr/>
+          </p:nvSpPr>
+          <p:spPr>
+            <a:xfrm>
+              <a:off x="5870592" y="406400"/>
+              <a:ext cx="4900112" cy="6134613"/>
+            </a:xfrm>
+            <a:prstGeom prst="rect">
+              <a:avLst/>
+            </a:prstGeom>
+            <a:solidFill>
+              <a:schemeClr val="bg1"/>
+            </a:solidFill>
+            <a:ln w="19050"/>
+          </p:spPr>
+          <p:style>
+            <a:lnRef idx="2">
+              <a:schemeClr val="accent1">
+                <a:shade val="50000"/>
+              </a:schemeClr>
+            </a:lnRef>
+            <a:fillRef idx="1">
+              <a:schemeClr val="accent1"/>
+            </a:fillRef>
+            <a:effectRef idx="0">
+              <a:schemeClr val="accent1"/>
+            </a:effectRef>
+            <a:fontRef idx="minor">
+              <a:schemeClr val="lt1"/>
+            </a:fontRef>
+          </p:style>
+          <p:txBody>
+            <a:bodyPr rtlCol="0" anchor="ctr"/>
+            <a:lstStyle/>
+            <a:p>
+              <a:pPr algn="ctr"/>
+              <a:endParaRPr lang="en-ID"/>
+            </a:p>
+          </p:txBody>
+        </p:sp>
+        <p:sp>
+          <p:nvSpPr>
+            <p:cNvPr id="45" name="Rectangle 44">
+              <a:extLst>
+                <a:ext uri="{FF2B5EF4-FFF2-40B4-BE49-F238E27FC236}">
+                  <a16:creationId xmlns:a16="http://schemas.microsoft.com/office/drawing/2014/main" id="{3CE29308-AFE6-653D-3AF9-5C579F0FCA3F}"/>
+                </a:ext>
+              </a:extLst>
+            </p:cNvPr>
+            <p:cNvSpPr/>
+            <p:nvPr/>
+          </p:nvSpPr>
+          <p:spPr>
+            <a:xfrm>
+              <a:off x="6236805" y="1772489"/>
+              <a:ext cx="3026738" cy="4510835"/>
+            </a:xfrm>
+            <a:prstGeom prst="rect">
+              <a:avLst/>
+            </a:prstGeom>
+            <a:solidFill>
+              <a:schemeClr val="bg1">
+                <a:lumMod val="95000"/>
+              </a:schemeClr>
+            </a:solidFill>
+            <a:ln w="19050"/>
+          </p:spPr>
+          <p:style>
+            <a:lnRef idx="2">
+              <a:schemeClr val="accent1">
+                <a:shade val="50000"/>
+              </a:schemeClr>
+            </a:lnRef>
+            <a:fillRef idx="1">
+              <a:schemeClr val="accent1"/>
+            </a:fillRef>
+            <a:effectRef idx="0">
+              <a:schemeClr val="accent1"/>
+            </a:effectRef>
+            <a:fontRef idx="minor">
+              <a:schemeClr val="lt1"/>
+            </a:fontRef>
+          </p:style>
+          <p:txBody>
+            <a:bodyPr rtlCol="0" anchor="ctr"/>
+            <a:lstStyle/>
+            <a:p>
+              <a:pPr algn="ctr"/>
+              <a:endParaRPr lang="en-ID"/>
+            </a:p>
+          </p:txBody>
+        </p:sp>
+        <p:sp>
+          <p:nvSpPr>
+            <p:cNvPr id="46" name="Rectangle 45">
+              <a:extLst>
+                <a:ext uri="{FF2B5EF4-FFF2-40B4-BE49-F238E27FC236}">
+                  <a16:creationId xmlns:a16="http://schemas.microsoft.com/office/drawing/2014/main" id="{32A8356F-C875-7510-4BA4-B0D47551E2DE}"/>
+                </a:ext>
+              </a:extLst>
+            </p:cNvPr>
+            <p:cNvSpPr/>
+            <p:nvPr/>
+          </p:nvSpPr>
+          <p:spPr>
+            <a:xfrm>
+              <a:off x="6899274" y="628373"/>
+              <a:ext cx="1701800" cy="381372"/>
+            </a:xfrm>
+            <a:prstGeom prst="rect">
+              <a:avLst/>
+            </a:prstGeom>
+          </p:spPr>
+          <p:style>
+            <a:lnRef idx="2">
+              <a:schemeClr val="accent1">
+                <a:shade val="50000"/>
+              </a:schemeClr>
+            </a:lnRef>
+            <a:fillRef idx="1">
+              <a:schemeClr val="accent1"/>
+            </a:fillRef>
+            <a:effectRef idx="0">
+              <a:schemeClr val="accent1"/>
+            </a:effectRef>
+            <a:fontRef idx="minor">
+              <a:schemeClr val="lt1"/>
+            </a:fontRef>
+          </p:style>
+          <p:txBody>
+            <a:bodyPr rtlCol="0" anchor="ctr"/>
+            <a:lstStyle/>
+            <a:p>
+              <a:pPr algn="ctr"/>
+              <a:r>
+                <a:rPr lang="en-US" sz="1100" b="1"/>
+                <a:t>ANALISIS KEBUTUHAN</a:t>
+              </a:r>
+              <a:endParaRPr lang="en-ID" sz="1100" b="1"/>
+            </a:p>
+          </p:txBody>
+        </p:sp>
+        <p:sp>
+          <p:nvSpPr>
+            <p:cNvPr id="47" name="Rectangle 46">
+              <a:extLst>
+                <a:ext uri="{FF2B5EF4-FFF2-40B4-BE49-F238E27FC236}">
+                  <a16:creationId xmlns:a16="http://schemas.microsoft.com/office/drawing/2014/main" id="{A715EE3F-AD9D-9349-D8DC-6388F8893054}"/>
+                </a:ext>
+              </a:extLst>
+            </p:cNvPr>
+            <p:cNvSpPr/>
+            <p:nvPr/>
+          </p:nvSpPr>
+          <p:spPr>
+            <a:xfrm>
+              <a:off x="6899274" y="1200431"/>
+              <a:ext cx="1701800" cy="381372"/>
+            </a:xfrm>
+            <a:prstGeom prst="rect">
+              <a:avLst/>
+            </a:prstGeom>
+          </p:spPr>
+          <p:style>
+            <a:lnRef idx="2">
+              <a:schemeClr val="accent1">
+                <a:shade val="50000"/>
+              </a:schemeClr>
+            </a:lnRef>
+            <a:fillRef idx="1">
+              <a:schemeClr val="accent1"/>
+            </a:fillRef>
+            <a:effectRef idx="0">
+              <a:schemeClr val="accent1"/>
+            </a:effectRef>
+            <a:fontRef idx="minor">
+              <a:schemeClr val="lt1"/>
+            </a:fontRef>
+          </p:style>
+          <p:txBody>
+            <a:bodyPr rtlCol="0" anchor="ctr"/>
+            <a:lstStyle/>
+            <a:p>
+              <a:pPr algn="ctr"/>
+              <a:r>
+                <a:rPr lang="en-US" sz="1100" b="1"/>
+                <a:t>PERENCANAAN</a:t>
+              </a:r>
+              <a:endParaRPr lang="en-ID" sz="1100" b="1"/>
+            </a:p>
+          </p:txBody>
+        </p:sp>
+        <p:sp>
+          <p:nvSpPr>
+            <p:cNvPr id="48" name="Rectangle 47">
+              <a:extLst>
+                <a:ext uri="{FF2B5EF4-FFF2-40B4-BE49-F238E27FC236}">
+                  <a16:creationId xmlns:a16="http://schemas.microsoft.com/office/drawing/2014/main" id="{45F74DC3-B5E5-5510-CA1F-72F3C1DE635E}"/>
+                </a:ext>
+              </a:extLst>
+            </p:cNvPr>
+            <p:cNvSpPr/>
+            <p:nvPr/>
+          </p:nvSpPr>
+          <p:spPr>
+            <a:xfrm>
+              <a:off x="6899274" y="2114843"/>
+              <a:ext cx="1701800" cy="381372"/>
+            </a:xfrm>
+            <a:prstGeom prst="rect">
+              <a:avLst/>
+            </a:prstGeom>
+          </p:spPr>
+          <p:style>
+            <a:lnRef idx="2">
+              <a:schemeClr val="accent1">
+                <a:shade val="50000"/>
+              </a:schemeClr>
+            </a:lnRef>
+            <a:fillRef idx="1">
+              <a:schemeClr val="accent1"/>
+            </a:fillRef>
+            <a:effectRef idx="0">
+              <a:schemeClr val="accent1"/>
+            </a:effectRef>
+            <a:fontRef idx="minor">
+              <a:schemeClr val="lt1"/>
+            </a:fontRef>
+          </p:style>
+          <p:txBody>
+            <a:bodyPr rtlCol="0" anchor="ctr"/>
+            <a:lstStyle/>
+            <a:p>
+              <a:pPr algn="ctr"/>
+              <a:r>
+                <a:rPr lang="en-US" sz="1100" b="1"/>
+                <a:t>INISIALISASI ITERASI</a:t>
+              </a:r>
+              <a:endParaRPr lang="en-ID" sz="1100" b="1"/>
+            </a:p>
+          </p:txBody>
+        </p:sp>
+        <p:sp>
+          <p:nvSpPr>
+            <p:cNvPr id="49" name="Rectangle 48">
+              <a:extLst>
+                <a:ext uri="{FF2B5EF4-FFF2-40B4-BE49-F238E27FC236}">
+                  <a16:creationId xmlns:a16="http://schemas.microsoft.com/office/drawing/2014/main" id="{7C70E88B-76C2-1DAA-3CD8-73BFDF204D7A}"/>
+                </a:ext>
+              </a:extLst>
+            </p:cNvPr>
+            <p:cNvSpPr/>
+            <p:nvPr/>
+          </p:nvSpPr>
+          <p:spPr>
+            <a:xfrm>
+              <a:off x="6899274" y="2686901"/>
+              <a:ext cx="1701800" cy="381372"/>
+            </a:xfrm>
+            <a:prstGeom prst="rect">
+              <a:avLst/>
+            </a:prstGeom>
+          </p:spPr>
+          <p:style>
+            <a:lnRef idx="2">
+              <a:schemeClr val="accent1">
+                <a:shade val="50000"/>
+              </a:schemeClr>
+            </a:lnRef>
+            <a:fillRef idx="1">
+              <a:schemeClr val="accent1"/>
+            </a:fillRef>
+            <a:effectRef idx="0">
+              <a:schemeClr val="accent1"/>
+            </a:effectRef>
+            <a:fontRef idx="minor">
+              <a:schemeClr val="lt1"/>
+            </a:fontRef>
+          </p:style>
+          <p:txBody>
+            <a:bodyPr rtlCol="0" anchor="ctr"/>
+            <a:lstStyle/>
+            <a:p>
+              <a:pPr algn="ctr"/>
+              <a:r>
+                <a:rPr lang="en-US" sz="1100" b="1"/>
+                <a:t>PERANCANGAN</a:t>
+              </a:r>
+              <a:endParaRPr lang="en-ID" sz="1100" b="1"/>
+            </a:p>
+          </p:txBody>
+        </p:sp>
+        <p:sp>
+          <p:nvSpPr>
+            <p:cNvPr id="50" name="Rectangle 49">
+              <a:extLst>
+                <a:ext uri="{FF2B5EF4-FFF2-40B4-BE49-F238E27FC236}">
+                  <a16:creationId xmlns:a16="http://schemas.microsoft.com/office/drawing/2014/main" id="{87E6DC41-C707-7722-E007-FC899E5D5FB0}"/>
+                </a:ext>
+              </a:extLst>
+            </p:cNvPr>
+            <p:cNvSpPr/>
+            <p:nvPr/>
+          </p:nvSpPr>
+          <p:spPr>
+            <a:xfrm>
+              <a:off x="6899274" y="3258959"/>
+              <a:ext cx="1701800" cy="1773704"/>
+            </a:xfrm>
+            <a:prstGeom prst="rect">
+              <a:avLst/>
+            </a:prstGeom>
+          </p:spPr>
+          <p:style>
+            <a:lnRef idx="2">
+              <a:schemeClr val="accent1">
+                <a:shade val="50000"/>
+              </a:schemeClr>
+            </a:lnRef>
+            <a:fillRef idx="1">
+              <a:schemeClr val="accent1"/>
+            </a:fillRef>
+            <a:effectRef idx="0">
+              <a:schemeClr val="accent1"/>
+            </a:effectRef>
+            <a:fontRef idx="minor">
+              <a:schemeClr val="lt1"/>
+            </a:fontRef>
+          </p:style>
+          <p:txBody>
+            <a:bodyPr rtlCol="0" anchor="ctr"/>
+            <a:lstStyle/>
+            <a:p>
+              <a:pPr algn="ctr"/>
+              <a:endParaRPr lang="en-ID" sz="1100" b="1"/>
+            </a:p>
+          </p:txBody>
+        </p:sp>
+        <p:sp>
+          <p:nvSpPr>
+            <p:cNvPr id="51" name="TextBox 50">
+              <a:extLst>
+                <a:ext uri="{FF2B5EF4-FFF2-40B4-BE49-F238E27FC236}">
+                  <a16:creationId xmlns:a16="http://schemas.microsoft.com/office/drawing/2014/main" id="{3A23A46A-60F5-304B-D22E-D023B826F8D9}"/>
+                </a:ext>
+              </a:extLst>
+            </p:cNvPr>
+            <p:cNvSpPr txBox="1"/>
+            <p:nvPr/>
+          </p:nvSpPr>
+          <p:spPr>
+            <a:xfrm>
+              <a:off x="7166147" y="3340222"/>
+              <a:ext cx="1168054" cy="261610"/>
+            </a:xfrm>
+            <a:prstGeom prst="rect">
+              <a:avLst/>
+            </a:prstGeom>
+            <a:noFill/>
+          </p:spPr>
+          <p:txBody>
+            <a:bodyPr wrap="square" rtlCol="0">
+              <a:spAutoFit/>
+            </a:bodyPr>
+            <a:lstStyle/>
+            <a:p>
+              <a:pPr algn="ctr"/>
+              <a:r>
+                <a:rPr lang="en-US" sz="1100" b="1">
+                  <a:solidFill>
+                    <a:schemeClr val="bg1"/>
+                  </a:solidFill>
+                </a:rPr>
+                <a:t>IMPLEMENTASI</a:t>
+              </a:r>
+              <a:endParaRPr lang="en-ID" sz="1100" b="1">
+                <a:solidFill>
+                  <a:schemeClr val="bg1"/>
+                </a:solidFill>
+              </a:endParaRPr>
+            </a:p>
+          </p:txBody>
+        </p:sp>
+        <p:sp>
+          <p:nvSpPr>
+            <p:cNvPr id="52" name="Rectangle 51">
+              <a:extLst>
+                <a:ext uri="{FF2B5EF4-FFF2-40B4-BE49-F238E27FC236}">
+                  <a16:creationId xmlns:a16="http://schemas.microsoft.com/office/drawing/2014/main" id="{B3E57890-5350-5A91-5203-E54780A13696}"/>
+                </a:ext>
+              </a:extLst>
+            </p:cNvPr>
+            <p:cNvSpPr/>
+            <p:nvPr/>
+          </p:nvSpPr>
+          <p:spPr>
+            <a:xfrm>
+              <a:off x="6988174" y="3601832"/>
+              <a:ext cx="1524000" cy="381372"/>
+            </a:xfrm>
+            <a:prstGeom prst="rect">
+              <a:avLst/>
+            </a:prstGeom>
+            <a:solidFill>
+              <a:schemeClr val="accent5">
+                <a:lumMod val="40000"/>
+                <a:lumOff val="60000"/>
+              </a:schemeClr>
+            </a:solidFill>
+          </p:spPr>
+          <p:style>
+            <a:lnRef idx="2">
+              <a:schemeClr val="accent1">
+                <a:shade val="50000"/>
+              </a:schemeClr>
+            </a:lnRef>
+            <a:fillRef idx="1">
+              <a:schemeClr val="accent1"/>
+            </a:fillRef>
+            <a:effectRef idx="0">
+              <a:schemeClr val="accent1"/>
+            </a:effectRef>
+            <a:fontRef idx="minor">
+              <a:schemeClr val="lt1"/>
+            </a:fontRef>
+          </p:style>
+          <p:txBody>
+            <a:bodyPr rtlCol="0" anchor="ctr"/>
+            <a:lstStyle/>
+            <a:p>
+              <a:pPr algn="ctr"/>
+              <a:r>
+                <a:rPr lang="en-US" sz="1100" b="1">
+                  <a:solidFill>
+                    <a:schemeClr val="accent5">
+                      <a:lumMod val="50000"/>
+                    </a:schemeClr>
+                  </a:solidFill>
+                </a:rPr>
+                <a:t>PENGUJIAN UNIT</a:t>
+              </a:r>
+              <a:endParaRPr lang="en-ID" sz="1100" b="1">
+                <a:solidFill>
+                  <a:schemeClr val="accent5">
+                    <a:lumMod val="50000"/>
+                  </a:schemeClr>
+                </a:solidFill>
+              </a:endParaRPr>
+            </a:p>
+          </p:txBody>
+        </p:sp>
+        <p:sp>
+          <p:nvSpPr>
+            <p:cNvPr id="53" name="Rectangle 52">
+              <a:extLst>
+                <a:ext uri="{FF2B5EF4-FFF2-40B4-BE49-F238E27FC236}">
+                  <a16:creationId xmlns:a16="http://schemas.microsoft.com/office/drawing/2014/main" id="{878570EB-550F-8E42-D0E4-AE225F7B2590}"/>
+                </a:ext>
+              </a:extLst>
+            </p:cNvPr>
+            <p:cNvSpPr/>
+            <p:nvPr/>
+          </p:nvSpPr>
+          <p:spPr>
+            <a:xfrm>
+              <a:off x="6988174" y="4068181"/>
+              <a:ext cx="1524000" cy="381372"/>
+            </a:xfrm>
+            <a:prstGeom prst="rect">
+              <a:avLst/>
+            </a:prstGeom>
+            <a:solidFill>
+              <a:schemeClr val="accent5">
+                <a:lumMod val="40000"/>
+                <a:lumOff val="60000"/>
+              </a:schemeClr>
+            </a:solidFill>
+          </p:spPr>
+          <p:style>
+            <a:lnRef idx="2">
+              <a:schemeClr val="accent1">
+                <a:shade val="50000"/>
+              </a:schemeClr>
+            </a:lnRef>
+            <a:fillRef idx="1">
+              <a:schemeClr val="accent1"/>
+            </a:fillRef>
+            <a:effectRef idx="0">
+              <a:schemeClr val="accent1"/>
+            </a:effectRef>
+            <a:fontRef idx="minor">
+              <a:schemeClr val="lt1"/>
+            </a:fontRef>
+          </p:style>
+          <p:txBody>
+            <a:bodyPr rtlCol="0" anchor="ctr"/>
+            <a:lstStyle/>
+            <a:p>
+              <a:pPr algn="ctr"/>
+              <a:r>
+                <a:rPr lang="en-US" sz="1100" b="1">
+                  <a:solidFill>
+                    <a:schemeClr val="accent5">
+                      <a:lumMod val="50000"/>
+                    </a:schemeClr>
+                  </a:solidFill>
+                </a:rPr>
+                <a:t>PENULISAN KODE</a:t>
+              </a:r>
+              <a:endParaRPr lang="en-ID" sz="1100" b="1">
+                <a:solidFill>
+                  <a:schemeClr val="accent5">
+                    <a:lumMod val="50000"/>
+                  </a:schemeClr>
+                </a:solidFill>
+              </a:endParaRPr>
+            </a:p>
+          </p:txBody>
+        </p:sp>
+        <p:sp>
+          <p:nvSpPr>
+            <p:cNvPr id="54" name="Rectangle 53">
+              <a:extLst>
+                <a:ext uri="{FF2B5EF4-FFF2-40B4-BE49-F238E27FC236}">
+                  <a16:creationId xmlns:a16="http://schemas.microsoft.com/office/drawing/2014/main" id="{C8D26CF7-239D-AF77-0EAA-2866DF0DC2EC}"/>
+                </a:ext>
+              </a:extLst>
+            </p:cNvPr>
+            <p:cNvSpPr/>
+            <p:nvPr/>
+          </p:nvSpPr>
+          <p:spPr>
+            <a:xfrm>
+              <a:off x="6988174" y="4534530"/>
+              <a:ext cx="1524000" cy="381372"/>
+            </a:xfrm>
+            <a:prstGeom prst="rect">
+              <a:avLst/>
+            </a:prstGeom>
+            <a:solidFill>
+              <a:schemeClr val="accent5">
+                <a:lumMod val="40000"/>
+                <a:lumOff val="60000"/>
+              </a:schemeClr>
+            </a:solidFill>
+          </p:spPr>
+          <p:style>
+            <a:lnRef idx="2">
+              <a:schemeClr val="accent1">
+                <a:shade val="50000"/>
+              </a:schemeClr>
+            </a:lnRef>
+            <a:fillRef idx="1">
+              <a:schemeClr val="accent1"/>
+            </a:fillRef>
+            <a:effectRef idx="0">
+              <a:schemeClr val="accent1"/>
+            </a:effectRef>
+            <a:fontRef idx="minor">
+              <a:schemeClr val="lt1"/>
+            </a:fontRef>
+          </p:style>
+          <p:txBody>
+            <a:bodyPr rtlCol="0" anchor="ctr"/>
+            <a:lstStyle/>
+            <a:p>
+              <a:pPr algn="ctr"/>
+              <a:r>
+                <a:rPr lang="en-US" sz="1100" b="1">
+                  <a:solidFill>
+                    <a:schemeClr val="accent5">
+                      <a:lumMod val="50000"/>
+                    </a:schemeClr>
+                  </a:solidFill>
+                </a:rPr>
+                <a:t>PEMFAKTORAN ULANG</a:t>
+              </a:r>
+              <a:endParaRPr lang="en-ID" sz="1100" b="1">
+                <a:solidFill>
+                  <a:schemeClr val="accent5">
+                    <a:lumMod val="50000"/>
+                  </a:schemeClr>
+                </a:solidFill>
+              </a:endParaRPr>
+            </a:p>
+          </p:txBody>
+        </p:sp>
+        <p:sp>
+          <p:nvSpPr>
+            <p:cNvPr id="55" name="Rectangle 54">
+              <a:extLst>
+                <a:ext uri="{FF2B5EF4-FFF2-40B4-BE49-F238E27FC236}">
+                  <a16:creationId xmlns:a16="http://schemas.microsoft.com/office/drawing/2014/main" id="{33C2A2E2-B324-7AD3-5A4B-31E56ADD57AD}"/>
+                </a:ext>
+              </a:extLst>
+            </p:cNvPr>
+            <p:cNvSpPr/>
+            <p:nvPr/>
+          </p:nvSpPr>
+          <p:spPr>
+            <a:xfrm>
+              <a:off x="6899274" y="5223349"/>
+              <a:ext cx="1701800" cy="381372"/>
+            </a:xfrm>
+            <a:prstGeom prst="rect">
+              <a:avLst/>
+            </a:prstGeom>
+          </p:spPr>
+          <p:style>
+            <a:lnRef idx="2">
+              <a:schemeClr val="accent1">
+                <a:shade val="50000"/>
+              </a:schemeClr>
+            </a:lnRef>
+            <a:fillRef idx="1">
+              <a:schemeClr val="accent1"/>
+            </a:fillRef>
+            <a:effectRef idx="0">
+              <a:schemeClr val="accent1"/>
+            </a:effectRef>
+            <a:fontRef idx="minor">
+              <a:schemeClr val="lt1"/>
+            </a:fontRef>
+          </p:style>
+          <p:txBody>
+            <a:bodyPr rtlCol="0" anchor="ctr"/>
+            <a:lstStyle/>
+            <a:p>
+              <a:pPr algn="ctr"/>
+              <a:r>
+                <a:rPr lang="en-US" sz="1100" b="1"/>
+                <a:t>PENGUJIAN SISTEM</a:t>
+              </a:r>
+              <a:endParaRPr lang="en-ID" sz="1100" b="1"/>
+            </a:p>
+          </p:txBody>
+        </p:sp>
+        <p:sp>
+          <p:nvSpPr>
+            <p:cNvPr id="56" name="Rectangle 55">
+              <a:extLst>
+                <a:ext uri="{FF2B5EF4-FFF2-40B4-BE49-F238E27FC236}">
+                  <a16:creationId xmlns:a16="http://schemas.microsoft.com/office/drawing/2014/main" id="{700BFDA7-76C9-605F-CD86-D6CC8C65F04E}"/>
+                </a:ext>
+              </a:extLst>
+            </p:cNvPr>
+            <p:cNvSpPr/>
+            <p:nvPr/>
+          </p:nvSpPr>
+          <p:spPr>
+            <a:xfrm>
+              <a:off x="6899274" y="5795407"/>
+              <a:ext cx="1701800" cy="381372"/>
+            </a:xfrm>
+            <a:prstGeom prst="rect">
+              <a:avLst/>
+            </a:prstGeom>
+          </p:spPr>
+          <p:style>
+            <a:lnRef idx="2">
+              <a:schemeClr val="accent1">
+                <a:shade val="50000"/>
+              </a:schemeClr>
+            </a:lnRef>
+            <a:fillRef idx="1">
+              <a:schemeClr val="accent1"/>
+            </a:fillRef>
+            <a:effectRef idx="0">
+              <a:schemeClr val="accent1"/>
+            </a:effectRef>
+            <a:fontRef idx="minor">
+              <a:schemeClr val="lt1"/>
+            </a:fontRef>
+          </p:style>
+          <p:txBody>
+            <a:bodyPr rtlCol="0" anchor="ctr"/>
+            <a:lstStyle/>
+            <a:p>
+              <a:pPr algn="ctr"/>
+              <a:r>
+                <a:rPr lang="en-US" sz="1100" b="1"/>
+                <a:t>RETROSPEKTIF</a:t>
+              </a:r>
+              <a:endParaRPr lang="en-ID" sz="1100" b="1"/>
+            </a:p>
+          </p:txBody>
+        </p:sp>
+        <p:cxnSp>
+          <p:nvCxnSpPr>
+            <p:cNvPr id="57" name="Straight Arrow Connector 56">
+              <a:extLst>
+                <a:ext uri="{FF2B5EF4-FFF2-40B4-BE49-F238E27FC236}">
+                  <a16:creationId xmlns:a16="http://schemas.microsoft.com/office/drawing/2014/main" id="{79379B72-162E-64EC-AB84-32B34B0B92B7}"/>
+                </a:ext>
+              </a:extLst>
+            </p:cNvPr>
+            <p:cNvCxnSpPr>
+              <a:stCxn id="46" idx="2"/>
+              <a:endCxn id="47" idx="0"/>
+            </p:cNvCxnSpPr>
+            <p:nvPr/>
+          </p:nvCxnSpPr>
+          <p:spPr>
+            <a:xfrm>
+              <a:off x="7750174" y="1009745"/>
+              <a:ext cx="0" cy="190686"/>
+            </a:xfrm>
+            <a:prstGeom prst="straightConnector1">
+              <a:avLst/>
+            </a:prstGeom>
+            <a:ln w="19050">
+              <a:tailEnd type="triangle"/>
+            </a:ln>
+          </p:spPr>
+          <p:style>
+            <a:lnRef idx="1">
+              <a:schemeClr val="accent1"/>
+            </a:lnRef>
+            <a:fillRef idx="0">
+              <a:schemeClr val="accent1"/>
+            </a:fillRef>
+            <a:effectRef idx="0">
+              <a:schemeClr val="accent1"/>
+            </a:effectRef>
+            <a:fontRef idx="minor">
+              <a:schemeClr val="tx1"/>
+            </a:fontRef>
+          </p:style>
+        </p:cxnSp>
+        <p:cxnSp>
+          <p:nvCxnSpPr>
+            <p:cNvPr id="58" name="Straight Arrow Connector 57">
+              <a:extLst>
+                <a:ext uri="{FF2B5EF4-FFF2-40B4-BE49-F238E27FC236}">
+                  <a16:creationId xmlns:a16="http://schemas.microsoft.com/office/drawing/2014/main" id="{8CDBE2DA-9463-C686-7B76-F83AA3684768}"/>
+                </a:ext>
+              </a:extLst>
+            </p:cNvPr>
+            <p:cNvCxnSpPr>
+              <a:stCxn id="47" idx="2"/>
+              <a:endCxn id="48" idx="0"/>
+            </p:cNvCxnSpPr>
+            <p:nvPr/>
+          </p:nvCxnSpPr>
+          <p:spPr>
+            <a:xfrm>
+              <a:off x="7750174" y="1581803"/>
+              <a:ext cx="0" cy="533040"/>
+            </a:xfrm>
+            <a:prstGeom prst="straightConnector1">
+              <a:avLst/>
+            </a:prstGeom>
+            <a:ln w="19050">
+              <a:tailEnd type="triangle"/>
+            </a:ln>
+          </p:spPr>
+          <p:style>
+            <a:lnRef idx="1">
+              <a:schemeClr val="accent1"/>
+            </a:lnRef>
+            <a:fillRef idx="0">
+              <a:schemeClr val="accent1"/>
+            </a:fillRef>
+            <a:effectRef idx="0">
+              <a:schemeClr val="accent1"/>
+            </a:effectRef>
+            <a:fontRef idx="minor">
+              <a:schemeClr val="tx1"/>
+            </a:fontRef>
+          </p:style>
+        </p:cxnSp>
+        <p:cxnSp>
+          <p:nvCxnSpPr>
+            <p:cNvPr id="59" name="Straight Arrow Connector 58">
+              <a:extLst>
+                <a:ext uri="{FF2B5EF4-FFF2-40B4-BE49-F238E27FC236}">
+                  <a16:creationId xmlns:a16="http://schemas.microsoft.com/office/drawing/2014/main" id="{4248A7A0-031B-9EE9-0E1B-31155039C0A8}"/>
+                </a:ext>
+              </a:extLst>
+            </p:cNvPr>
+            <p:cNvCxnSpPr>
+              <a:stCxn id="48" idx="2"/>
+              <a:endCxn id="49" idx="0"/>
+            </p:cNvCxnSpPr>
+            <p:nvPr/>
+          </p:nvCxnSpPr>
+          <p:spPr>
+            <a:xfrm>
+              <a:off x="7750174" y="2496215"/>
+              <a:ext cx="0" cy="190686"/>
+            </a:xfrm>
+            <a:prstGeom prst="straightConnector1">
+              <a:avLst/>
+            </a:prstGeom>
+            <a:ln w="19050">
+              <a:tailEnd type="triangle"/>
+            </a:ln>
+          </p:spPr>
+          <p:style>
+            <a:lnRef idx="1">
+              <a:schemeClr val="accent1"/>
+            </a:lnRef>
+            <a:fillRef idx="0">
+              <a:schemeClr val="accent1"/>
+            </a:fillRef>
+            <a:effectRef idx="0">
+              <a:schemeClr val="accent1"/>
+            </a:effectRef>
+            <a:fontRef idx="minor">
+              <a:schemeClr val="tx1"/>
+            </a:fontRef>
+          </p:style>
+        </p:cxnSp>
+        <p:cxnSp>
+          <p:nvCxnSpPr>
+            <p:cNvPr id="60" name="Straight Arrow Connector 59">
+              <a:extLst>
+                <a:ext uri="{FF2B5EF4-FFF2-40B4-BE49-F238E27FC236}">
+                  <a16:creationId xmlns:a16="http://schemas.microsoft.com/office/drawing/2014/main" id="{69846E3C-9A2B-7839-1D15-A64301DCA003}"/>
+                </a:ext>
+              </a:extLst>
+            </p:cNvPr>
+            <p:cNvCxnSpPr>
+              <a:cxnSpLocks/>
+              <a:stCxn id="49" idx="2"/>
+              <a:endCxn id="50" idx="0"/>
+            </p:cNvCxnSpPr>
+            <p:nvPr/>
+          </p:nvCxnSpPr>
+          <p:spPr>
+            <a:xfrm>
+              <a:off x="7750174" y="3068273"/>
+              <a:ext cx="0" cy="190686"/>
+            </a:xfrm>
+            <a:prstGeom prst="straightConnector1">
+              <a:avLst/>
+            </a:prstGeom>
+            <a:ln w="19050">
+              <a:tailEnd type="triangle"/>
+            </a:ln>
+          </p:spPr>
+          <p:style>
+            <a:lnRef idx="1">
+              <a:schemeClr val="accent1"/>
+            </a:lnRef>
+            <a:fillRef idx="0">
+              <a:schemeClr val="accent1"/>
+            </a:fillRef>
+            <a:effectRef idx="0">
+              <a:schemeClr val="accent1"/>
+            </a:effectRef>
+            <a:fontRef idx="minor">
+              <a:schemeClr val="tx1"/>
+            </a:fontRef>
+          </p:style>
+        </p:cxnSp>
+        <p:cxnSp>
+          <p:nvCxnSpPr>
+            <p:cNvPr id="61" name="Straight Arrow Connector 60">
+              <a:extLst>
+                <a:ext uri="{FF2B5EF4-FFF2-40B4-BE49-F238E27FC236}">
+                  <a16:creationId xmlns:a16="http://schemas.microsoft.com/office/drawing/2014/main" id="{3D6F3085-9A4B-5B3F-4F8C-90AB3299AEB0}"/>
+                </a:ext>
+              </a:extLst>
+            </p:cNvPr>
+            <p:cNvCxnSpPr>
+              <a:stCxn id="55" idx="2"/>
+              <a:endCxn id="56" idx="0"/>
+            </p:cNvCxnSpPr>
+            <p:nvPr/>
+          </p:nvCxnSpPr>
+          <p:spPr>
+            <a:xfrm>
+              <a:off x="7750174" y="5604721"/>
+              <a:ext cx="0" cy="190686"/>
+            </a:xfrm>
+            <a:prstGeom prst="straightConnector1">
+              <a:avLst/>
+            </a:prstGeom>
+            <a:ln w="19050">
+              <a:tailEnd type="triangle"/>
+            </a:ln>
+          </p:spPr>
+          <p:style>
+            <a:lnRef idx="1">
+              <a:schemeClr val="accent1"/>
+            </a:lnRef>
+            <a:fillRef idx="0">
+              <a:schemeClr val="accent1"/>
+            </a:fillRef>
+            <a:effectRef idx="0">
+              <a:schemeClr val="accent1"/>
+            </a:effectRef>
+            <a:fontRef idx="minor">
+              <a:schemeClr val="tx1"/>
+            </a:fontRef>
+          </p:style>
+        </p:cxnSp>
+        <p:sp>
+          <p:nvSpPr>
+            <p:cNvPr id="62" name="TextBox 61">
+              <a:extLst>
+                <a:ext uri="{FF2B5EF4-FFF2-40B4-BE49-F238E27FC236}">
+                  <a16:creationId xmlns:a16="http://schemas.microsoft.com/office/drawing/2014/main" id="{CADBE340-6333-0A3E-8CB5-F431EC7F9A44}"/>
+                </a:ext>
+              </a:extLst>
+            </p:cNvPr>
+            <p:cNvSpPr txBox="1"/>
+            <p:nvPr/>
+          </p:nvSpPr>
+          <p:spPr>
+            <a:xfrm>
+              <a:off x="8714231" y="673710"/>
+              <a:ext cx="1985036" cy="461665"/>
+            </a:xfrm>
+            <a:prstGeom prst="rect">
+              <a:avLst/>
+            </a:prstGeom>
+            <a:noFill/>
+          </p:spPr>
+          <p:txBody>
+            <a:bodyPr wrap="square" rtlCol="0">
+              <a:spAutoFit/>
+            </a:bodyPr>
+            <a:lstStyle/>
+            <a:p>
+              <a:pPr algn="ctr"/>
+              <a:r>
+                <a:rPr lang="en-US" sz="1200" b="1" i="1">
+                  <a:solidFill>
+                    <a:schemeClr val="accent5">
+                      <a:lumMod val="50000"/>
+                    </a:schemeClr>
+                  </a:solidFill>
+                  <a:latin typeface="Times New Roman" panose="02020603050405020304" pitchFamily="18" charset="0"/>
+                  <a:ea typeface="Tahoma" panose="020B0604030504040204" pitchFamily="34" charset="0"/>
+                  <a:cs typeface="Times New Roman" panose="02020603050405020304" pitchFamily="18" charset="0"/>
+                </a:rPr>
+                <a:t>Personal eXtreme Programming </a:t>
+              </a:r>
+              <a:r>
+                <a:rPr lang="en-US" sz="1200" b="1">
+                  <a:solidFill>
+                    <a:schemeClr val="accent5">
+                      <a:lumMod val="50000"/>
+                    </a:schemeClr>
+                  </a:solidFill>
+                  <a:latin typeface="Times New Roman" panose="02020603050405020304" pitchFamily="18" charset="0"/>
+                  <a:ea typeface="Tahoma" panose="020B0604030504040204" pitchFamily="34" charset="0"/>
+                  <a:cs typeface="Times New Roman" panose="02020603050405020304" pitchFamily="18" charset="0"/>
+                </a:rPr>
+                <a:t>(PXP)</a:t>
+              </a:r>
+              <a:endParaRPr lang="en-ID" sz="1200" b="1">
+                <a:solidFill>
+                  <a:schemeClr val="accent5">
+                    <a:lumMod val="50000"/>
+                  </a:schemeClr>
+                </a:solidFill>
+                <a:latin typeface="Times New Roman" panose="02020603050405020304" pitchFamily="18" charset="0"/>
+                <a:ea typeface="Tahoma" panose="020B0604030504040204" pitchFamily="34" charset="0"/>
+                <a:cs typeface="Times New Roman" panose="02020603050405020304" pitchFamily="18" charset="0"/>
+              </a:endParaRPr>
+            </a:p>
+          </p:txBody>
+        </p:sp>
+        <p:cxnSp>
+          <p:nvCxnSpPr>
+            <p:cNvPr id="63" name="Straight Arrow Connector 62">
+              <a:extLst>
+                <a:ext uri="{FF2B5EF4-FFF2-40B4-BE49-F238E27FC236}">
+                  <a16:creationId xmlns:a16="http://schemas.microsoft.com/office/drawing/2014/main" id="{24037F65-5E5C-274C-30C5-A13E02AD9319}"/>
+                </a:ext>
+              </a:extLst>
+            </p:cNvPr>
+            <p:cNvCxnSpPr>
+              <a:cxnSpLocks/>
+              <a:stCxn id="50" idx="2"/>
+              <a:endCxn id="55" idx="0"/>
+            </p:cNvCxnSpPr>
+            <p:nvPr/>
+          </p:nvCxnSpPr>
+          <p:spPr>
+            <a:xfrm>
+              <a:off x="7750174" y="5032663"/>
+              <a:ext cx="0" cy="190686"/>
+            </a:xfrm>
+            <a:prstGeom prst="straightConnector1">
+              <a:avLst/>
+            </a:prstGeom>
+            <a:ln w="19050">
+              <a:tailEnd type="triangle"/>
+            </a:ln>
+          </p:spPr>
+          <p:style>
+            <a:lnRef idx="1">
+              <a:schemeClr val="accent1"/>
+            </a:lnRef>
+            <a:fillRef idx="0">
+              <a:schemeClr val="accent1"/>
+            </a:fillRef>
+            <a:effectRef idx="0">
+              <a:schemeClr val="accent1"/>
+            </a:effectRef>
+            <a:fontRef idx="minor">
+              <a:schemeClr val="tx1"/>
+            </a:fontRef>
+          </p:style>
+        </p:cxnSp>
+        <p:sp>
+          <p:nvSpPr>
+            <p:cNvPr id="64" name="Isosceles Triangle 63">
+              <a:extLst>
+                <a:ext uri="{FF2B5EF4-FFF2-40B4-BE49-F238E27FC236}">
+                  <a16:creationId xmlns:a16="http://schemas.microsoft.com/office/drawing/2014/main" id="{DBD6442C-E65F-A539-C123-55A50D7B9336}"/>
+                </a:ext>
+              </a:extLst>
+            </p:cNvPr>
+            <p:cNvSpPr/>
+            <p:nvPr/>
+          </p:nvSpPr>
+          <p:spPr>
+            <a:xfrm rot="5400000">
+              <a:off x="7693329" y="1893882"/>
+              <a:ext cx="51282" cy="51282"/>
+            </a:xfrm>
+            <a:prstGeom prst="triangle">
+              <a:avLst/>
+            </a:prstGeom>
+            <a:ln>
+              <a:solidFill>
+                <a:srgbClr val="4472C4"/>
+              </a:solidFill>
+            </a:ln>
+          </p:spPr>
+          <p:style>
+            <a:lnRef idx="2">
+              <a:schemeClr val="accent1">
+                <a:shade val="50000"/>
+              </a:schemeClr>
+            </a:lnRef>
+            <a:fillRef idx="1">
+              <a:schemeClr val="accent1"/>
+            </a:fillRef>
+            <a:effectRef idx="0">
+              <a:schemeClr val="accent1"/>
+            </a:effectRef>
+            <a:fontRef idx="minor">
+              <a:schemeClr val="lt1"/>
+            </a:fontRef>
+          </p:style>
+          <p:txBody>
+            <a:bodyPr rtlCol="0" anchor="ctr"/>
+            <a:lstStyle/>
+            <a:p>
+              <a:pPr algn="ctr"/>
+              <a:endParaRPr lang="en-ID"/>
+            </a:p>
+          </p:txBody>
+        </p:sp>
+        <p:cxnSp>
+          <p:nvCxnSpPr>
+            <p:cNvPr id="65" name="Connector: Elbow 64">
+              <a:extLst>
+                <a:ext uri="{FF2B5EF4-FFF2-40B4-BE49-F238E27FC236}">
+                  <a16:creationId xmlns:a16="http://schemas.microsoft.com/office/drawing/2014/main" id="{23E7F805-297B-9B27-1E2B-67F233421527}"/>
+                </a:ext>
+              </a:extLst>
+            </p:cNvPr>
+            <p:cNvCxnSpPr>
+              <a:stCxn id="56" idx="1"/>
+              <a:endCxn id="64" idx="3"/>
+            </p:cNvCxnSpPr>
+            <p:nvPr/>
+          </p:nvCxnSpPr>
+          <p:spPr>
+            <a:xfrm rot="10800000" flipH="1">
+              <a:off x="6899273" y="1919523"/>
+              <a:ext cx="794055" cy="4066570"/>
+            </a:xfrm>
+            <a:prstGeom prst="bentConnector3">
+              <a:avLst>
+                <a:gd name="adj1" fmla="val -43183"/>
+              </a:avLst>
+            </a:prstGeom>
+            <a:ln w="19050">
+              <a:prstDash val="dash"/>
+            </a:ln>
+          </p:spPr>
+          <p:style>
+            <a:lnRef idx="1">
+              <a:schemeClr val="accent1"/>
+            </a:lnRef>
+            <a:fillRef idx="0">
+              <a:schemeClr val="accent1"/>
+            </a:fillRef>
+            <a:effectRef idx="0">
+              <a:schemeClr val="accent1"/>
+            </a:effectRef>
+            <a:fontRef idx="minor">
+              <a:schemeClr val="tx1"/>
+            </a:fontRef>
+          </p:style>
+        </p:cxnSp>
+        <p:sp>
+          <p:nvSpPr>
+            <p:cNvPr id="66" name="Flowchart: Magnetic Disk 65">
+              <a:extLst>
+                <a:ext uri="{FF2B5EF4-FFF2-40B4-BE49-F238E27FC236}">
+                  <a16:creationId xmlns:a16="http://schemas.microsoft.com/office/drawing/2014/main" id="{7EC4B51C-F93D-7836-53A7-6A6083CB740F}"/>
+                </a:ext>
+              </a:extLst>
+            </p:cNvPr>
+            <p:cNvSpPr/>
+            <p:nvPr/>
+          </p:nvSpPr>
+          <p:spPr>
+            <a:xfrm>
+              <a:off x="9680570" y="2746829"/>
+              <a:ext cx="775805" cy="1186785"/>
+            </a:xfrm>
+            <a:prstGeom prst="flowChartMagneticDisk">
+              <a:avLst/>
+            </a:prstGeom>
+          </p:spPr>
+          <p:style>
+            <a:lnRef idx="2">
+              <a:schemeClr val="accent1">
+                <a:shade val="50000"/>
+              </a:schemeClr>
+            </a:lnRef>
+            <a:fillRef idx="1">
+              <a:schemeClr val="accent1"/>
+            </a:fillRef>
+            <a:effectRef idx="0">
+              <a:schemeClr val="accent1"/>
+            </a:effectRef>
+            <a:fontRef idx="minor">
+              <a:schemeClr val="lt1"/>
+            </a:fontRef>
+          </p:style>
+          <p:txBody>
+            <a:bodyPr rtlCol="0" anchor="ctr"/>
+            <a:lstStyle/>
+            <a:p>
+              <a:pPr algn="ctr"/>
+              <a:endParaRPr lang="en-ID"/>
+            </a:p>
+          </p:txBody>
+        </p:sp>
+        <p:sp>
+          <p:nvSpPr>
+            <p:cNvPr id="67" name="TextBox 66">
+              <a:extLst>
+                <a:ext uri="{FF2B5EF4-FFF2-40B4-BE49-F238E27FC236}">
+                  <a16:creationId xmlns:a16="http://schemas.microsoft.com/office/drawing/2014/main" id="{5634C27D-C7B6-3E92-EDA3-720F6B4F9CEE}"/>
+                </a:ext>
+              </a:extLst>
+            </p:cNvPr>
+            <p:cNvSpPr txBox="1"/>
+            <p:nvPr/>
+          </p:nvSpPr>
+          <p:spPr>
+            <a:xfrm rot="16200000">
+              <a:off x="9727375" y="3319730"/>
+              <a:ext cx="682194" cy="338554"/>
+            </a:xfrm>
+            <a:prstGeom prst="rect">
+              <a:avLst/>
+            </a:prstGeom>
+            <a:noFill/>
+          </p:spPr>
+          <p:txBody>
+            <a:bodyPr wrap="square" rtlCol="0">
+              <a:spAutoFit/>
+            </a:bodyPr>
+            <a:lstStyle/>
+            <a:p>
+              <a:pPr algn="ctr"/>
+              <a:r>
+                <a:rPr lang="en-US" sz="1600" b="1">
+                  <a:solidFill>
+                    <a:schemeClr val="bg1"/>
+                  </a:solidFill>
+                </a:rPr>
+                <a:t>LOGS</a:t>
+              </a:r>
+              <a:endParaRPr lang="en-ID" b="1">
+                <a:solidFill>
+                  <a:schemeClr val="bg1"/>
+                </a:solidFill>
+              </a:endParaRPr>
+            </a:p>
+          </p:txBody>
+        </p:sp>
+        <p:cxnSp>
+          <p:nvCxnSpPr>
+            <p:cNvPr id="68" name="Straight Arrow Connector 67">
+              <a:extLst>
+                <a:ext uri="{FF2B5EF4-FFF2-40B4-BE49-F238E27FC236}">
+                  <a16:creationId xmlns:a16="http://schemas.microsoft.com/office/drawing/2014/main" id="{18D4CF66-9EEF-6988-F5F2-E44DF1F6BC03}"/>
+                </a:ext>
+              </a:extLst>
+            </p:cNvPr>
+            <p:cNvCxnSpPr>
+              <a:cxnSpLocks/>
+            </p:cNvCxnSpPr>
+            <p:nvPr/>
+          </p:nvCxnSpPr>
+          <p:spPr>
+            <a:xfrm>
+              <a:off x="8601073" y="1391117"/>
+              <a:ext cx="1079496" cy="1553182"/>
+            </a:xfrm>
+            <a:prstGeom prst="straightConnector1">
+              <a:avLst/>
+            </a:prstGeom>
+            <a:ln w="19050">
+              <a:solidFill>
+                <a:schemeClr val="accent5">
+                  <a:lumMod val="50000"/>
+                </a:schemeClr>
+              </a:solidFill>
+              <a:prstDash val="dash"/>
+              <a:tailEnd type="triangle"/>
+            </a:ln>
+          </p:spPr>
+          <p:style>
+            <a:lnRef idx="1">
+              <a:schemeClr val="accent1"/>
+            </a:lnRef>
+            <a:fillRef idx="0">
+              <a:schemeClr val="accent1"/>
+            </a:fillRef>
+            <a:effectRef idx="0">
+              <a:schemeClr val="accent1"/>
+            </a:effectRef>
+            <a:fontRef idx="minor">
+              <a:schemeClr val="tx1"/>
+            </a:fontRef>
+          </p:style>
+        </p:cxnSp>
+        <p:cxnSp>
+          <p:nvCxnSpPr>
+            <p:cNvPr id="69" name="Straight Arrow Connector 68">
+              <a:extLst>
+                <a:ext uri="{FF2B5EF4-FFF2-40B4-BE49-F238E27FC236}">
+                  <a16:creationId xmlns:a16="http://schemas.microsoft.com/office/drawing/2014/main" id="{EBFACC09-39FF-92BF-97E9-0A51B3C15E20}"/>
+                </a:ext>
+              </a:extLst>
+            </p:cNvPr>
+            <p:cNvCxnSpPr>
+              <a:cxnSpLocks/>
+            </p:cNvCxnSpPr>
+            <p:nvPr/>
+          </p:nvCxnSpPr>
+          <p:spPr>
+            <a:xfrm flipV="1">
+              <a:off x="8601073" y="3340222"/>
+              <a:ext cx="1079496" cy="805589"/>
+            </a:xfrm>
+            <a:prstGeom prst="straightConnector1">
+              <a:avLst/>
+            </a:prstGeom>
+            <a:ln w="19050">
+              <a:solidFill>
+                <a:schemeClr val="accent5">
+                  <a:lumMod val="50000"/>
+                </a:schemeClr>
+              </a:solidFill>
+              <a:prstDash val="dash"/>
+              <a:tailEnd type="triangle"/>
+            </a:ln>
+          </p:spPr>
+          <p:style>
+            <a:lnRef idx="1">
+              <a:schemeClr val="accent1"/>
+            </a:lnRef>
+            <a:fillRef idx="0">
+              <a:schemeClr val="accent1"/>
+            </a:fillRef>
+            <a:effectRef idx="0">
+              <a:schemeClr val="accent1"/>
+            </a:effectRef>
+            <a:fontRef idx="minor">
+              <a:schemeClr val="tx1"/>
+            </a:fontRef>
+          </p:style>
+        </p:cxnSp>
+        <p:cxnSp>
+          <p:nvCxnSpPr>
+            <p:cNvPr id="70" name="Straight Arrow Connector 69">
+              <a:extLst>
+                <a:ext uri="{FF2B5EF4-FFF2-40B4-BE49-F238E27FC236}">
+                  <a16:creationId xmlns:a16="http://schemas.microsoft.com/office/drawing/2014/main" id="{0F3C8BCF-9A27-4B10-B319-4898679D9EA2}"/>
+                </a:ext>
+              </a:extLst>
+            </p:cNvPr>
+            <p:cNvCxnSpPr>
+              <a:cxnSpLocks/>
+            </p:cNvCxnSpPr>
+            <p:nvPr/>
+          </p:nvCxnSpPr>
+          <p:spPr>
+            <a:xfrm flipV="1">
+              <a:off x="8601073" y="3683000"/>
+              <a:ext cx="1079496" cy="1731035"/>
+            </a:xfrm>
+            <a:prstGeom prst="straightConnector1">
+              <a:avLst/>
+            </a:prstGeom>
+            <a:ln w="19050">
+              <a:solidFill>
+                <a:schemeClr val="accent5">
+                  <a:lumMod val="50000"/>
+                </a:schemeClr>
+              </a:solidFill>
+              <a:prstDash val="dash"/>
+              <a:tailEnd type="triangle"/>
+            </a:ln>
+          </p:spPr>
+          <p:style>
+            <a:lnRef idx="1">
+              <a:schemeClr val="accent1"/>
+            </a:lnRef>
+            <a:fillRef idx="0">
+              <a:schemeClr val="accent1"/>
+            </a:fillRef>
+            <a:effectRef idx="0">
+              <a:schemeClr val="accent1"/>
+            </a:effectRef>
+            <a:fontRef idx="minor">
+              <a:schemeClr val="tx1"/>
+            </a:fontRef>
+          </p:style>
+        </p:cxnSp>
+      </p:grpSp>
+      <p:cxnSp>
+        <p:nvCxnSpPr>
+          <p:cNvPr id="42" name="Straight Arrow Connector 41">
+            <a:extLst>
+              <a:ext uri="{FF2B5EF4-FFF2-40B4-BE49-F238E27FC236}">
+                <a16:creationId xmlns:a16="http://schemas.microsoft.com/office/drawing/2014/main" id="{11670AD2-91C9-DECA-4474-B2C183E53465}"/>
+              </a:ext>
+            </a:extLst>
+          </p:cNvPr>
+          <p:cNvCxnSpPr>
+            <a:stCxn id="39" idx="3"/>
+            <a:endCxn id="37" idx="2"/>
+          </p:cNvCxnSpPr>
+          <p:nvPr/>
+        </p:nvCxnSpPr>
+        <p:spPr>
+          <a:xfrm>
+            <a:off x="5151068" y="8543724"/>
+            <a:ext cx="715559" cy="2886"/>
+          </a:xfrm>
+          <a:prstGeom prst="straightConnector1">
+            <a:avLst/>
+          </a:prstGeom>
+          <a:ln w="19050">
+            <a:tailEnd type="triangle"/>
+          </a:ln>
+        </p:spPr>
+        <p:style>
+          <a:lnRef idx="1">
+            <a:schemeClr val="accent1"/>
+          </a:lnRef>
+          <a:fillRef idx="0">
+            <a:schemeClr val="accent1"/>
+          </a:fillRef>
+          <a:effectRef idx="0">
+            <a:schemeClr val="accent1"/>
+          </a:effectRef>
+          <a:fontRef idx="minor">
+            <a:schemeClr val="tx1"/>
+          </a:fontRef>
+        </p:style>
+      </p:cxnSp>
+      <p:cxnSp>
+        <p:nvCxnSpPr>
+          <p:cNvPr id="33" name="Straight Arrow Connector 32">
+            <a:extLst>
+              <a:ext uri="{FF2B5EF4-FFF2-40B4-BE49-F238E27FC236}">
+                <a16:creationId xmlns:a16="http://schemas.microsoft.com/office/drawing/2014/main" id="{BFC5223B-3F13-3340-36A9-45AF5425EE27}"/>
+              </a:ext>
+            </a:extLst>
+          </p:cNvPr>
+          <p:cNvCxnSpPr>
+            <a:cxnSpLocks/>
+            <a:stCxn id="32" idx="2"/>
+            <a:endCxn id="46" idx="0"/>
+          </p:cNvCxnSpPr>
+          <p:nvPr/>
+        </p:nvCxnSpPr>
+        <p:spPr>
+          <a:xfrm>
+            <a:off x="3664356" y="1527187"/>
+            <a:ext cx="3156" cy="448601"/>
+          </a:xfrm>
+          <a:prstGeom prst="straightConnector1">
+            <a:avLst/>
+          </a:prstGeom>
+          <a:ln w="19050">
+            <a:tailEnd type="triangle"/>
+          </a:ln>
+        </p:spPr>
+        <p:style>
+          <a:lnRef idx="1">
+            <a:schemeClr val="accent1"/>
+          </a:lnRef>
+          <a:fillRef idx="0">
+            <a:schemeClr val="accent1"/>
+          </a:fillRef>
+          <a:effectRef idx="0">
+            <a:schemeClr val="accent1"/>
+          </a:effectRef>
+          <a:fontRef idx="minor">
+            <a:schemeClr val="tx1"/>
+          </a:fontRef>
+        </p:style>
+      </p:cxnSp>
+      <p:cxnSp>
+        <p:nvCxnSpPr>
+          <p:cNvPr id="40" name="Connector: Elbow 39">
+            <a:extLst>
+              <a:ext uri="{FF2B5EF4-FFF2-40B4-BE49-F238E27FC236}">
+                <a16:creationId xmlns:a16="http://schemas.microsoft.com/office/drawing/2014/main" id="{A26F1604-FAE8-8418-480A-C6E792020B65}"/>
+              </a:ext>
+            </a:extLst>
+          </p:cNvPr>
+          <p:cNvCxnSpPr>
+            <a:cxnSpLocks/>
+            <a:stCxn id="56" idx="2"/>
+            <a:endCxn id="36" idx="0"/>
+          </p:cNvCxnSpPr>
+          <p:nvPr/>
+        </p:nvCxnSpPr>
+        <p:spPr>
+          <a:xfrm rot="5400000">
+            <a:off x="2399217" y="7011333"/>
+            <a:ext cx="755435" cy="1781156"/>
+          </a:xfrm>
+          <a:prstGeom prst="bentConnector3">
+            <a:avLst>
+              <a:gd name="adj1" fmla="val 69859"/>
+            </a:avLst>
+          </a:prstGeom>
+          <a:ln w="19050">
+            <a:tailEnd type="triangle"/>
+          </a:ln>
+        </p:spPr>
+        <p:style>
+          <a:lnRef idx="1">
+            <a:schemeClr val="accent1"/>
+          </a:lnRef>
+          <a:fillRef idx="0">
+            <a:schemeClr val="accent1"/>
+          </a:fillRef>
+          <a:effectRef idx="0">
+            <a:schemeClr val="accent1"/>
+          </a:effectRef>
+          <a:fontRef idx="minor">
+            <a:schemeClr val="tx1"/>
+          </a:fontRef>
+        </p:style>
+      </p:cxnSp>
+    </p:spTree>
+    <p:extLst>
+      <p:ext uri="{BB962C8B-B14F-4D97-AF65-F5344CB8AC3E}">
+        <p14:creationId xmlns:p14="http://schemas.microsoft.com/office/powerpoint/2010/main" val="2384146343"/>
+      </p:ext>
+    </p:extLst>
+  </p:cSld>
+  <p:clrMapOvr>
+    <a:masterClrMapping/>
+  </p:clrMapOvr>
+</p:sld>
+</file>
+
 <file path=ppt/theme/theme1.xml><?xml version="1.0" encoding="utf-8"?>
 <a:theme xmlns:a="http://schemas.openxmlformats.org/drawingml/2006/main" name="Office Theme">
   <a:themeElements>
